--- a/HEIGVD-VD IOT.pptx
+++ b/HEIGVD-VD IOT.pptx
@@ -7,9 +7,9 @@
   <p:sldIdLst>
     <p:sldId id="256" r:id="rId2"/>
     <p:sldId id="257" r:id="rId3"/>
-    <p:sldId id="258" r:id="rId4"/>
-    <p:sldId id="259" r:id="rId5"/>
-    <p:sldId id="261" r:id="rId6"/>
+    <p:sldId id="259" r:id="rId4"/>
+    <p:sldId id="261" r:id="rId5"/>
+    <p:sldId id="262" r:id="rId6"/>
     <p:sldId id="260" r:id="rId7"/>
   </p:sldIdLst>
   <p:sldSz cx="12192000" cy="6858000"/>
@@ -109,6 +109,11 @@
       </a:defRPr>
     </a:lvl9pPr>
   </p:defaultTextStyle>
+  <p:extLst>
+    <p:ext uri="{EFAFB233-063F-42B5-8137-9DF3F51BA10A}">
+      <p15:sldGuideLst xmlns:p15="http://schemas.microsoft.com/office/powerpoint/2012/main"/>
+    </p:ext>
+  </p:extLst>
 </p:presentation>
 </file>
 
@@ -154,7 +159,7 @@
           </a:lstStyle>
           <a:p>
             <a:r>
-              <a:rPr lang="fr-FR" smtClean="0"/>
+              <a:rPr lang="fr-FR"/>
               <a:t>Modifiez le style du titre</a:t>
             </a:r>
             <a:endParaRPr lang="fr-CH"/>
@@ -219,7 +224,7 @@
           </a:lstStyle>
           <a:p>
             <a:r>
-              <a:rPr lang="fr-FR" smtClean="0"/>
+              <a:rPr lang="fr-FR"/>
               <a:t>Modifiez le style des sous-titres du masque</a:t>
             </a:r>
             <a:endParaRPr lang="fr-CH"/>
@@ -243,7 +248,7 @@
           <a:p>
             <a:fld id="{05A2E586-7882-42C9-8DBD-8BA81A096774}" type="datetimeFigureOut">
               <a:rPr lang="fr-CH" smtClean="0"/>
-              <a:t>21.04.2020</a:t>
+              <a:t>09.06.2020</a:t>
             </a:fld>
             <a:endParaRPr lang="fr-CH"/>
           </a:p>
@@ -337,7 +342,7 @@
           <a:lstStyle/>
           <a:p>
             <a:r>
-              <a:rPr lang="fr-FR" smtClean="0"/>
+              <a:rPr lang="fr-FR"/>
               <a:t>Modifiez le style du titre</a:t>
             </a:r>
             <a:endParaRPr lang="fr-CH"/>
@@ -361,35 +366,35 @@
           <a:p>
             <a:pPr lvl="0"/>
             <a:r>
-              <a:rPr lang="fr-FR" smtClean="0"/>
+              <a:rPr lang="fr-FR"/>
               <a:t>Modifiez les styles du texte du masque</a:t>
             </a:r>
           </a:p>
           <a:p>
             <a:pPr lvl="1"/>
             <a:r>
-              <a:rPr lang="fr-FR" smtClean="0"/>
+              <a:rPr lang="fr-FR"/>
               <a:t>Deuxième niveau</a:t>
             </a:r>
           </a:p>
           <a:p>
             <a:pPr lvl="2"/>
             <a:r>
-              <a:rPr lang="fr-FR" smtClean="0"/>
+              <a:rPr lang="fr-FR"/>
               <a:t>Troisième niveau</a:t>
             </a:r>
           </a:p>
           <a:p>
             <a:pPr lvl="3"/>
             <a:r>
-              <a:rPr lang="fr-FR" smtClean="0"/>
+              <a:rPr lang="fr-FR"/>
               <a:t>Quatrième niveau</a:t>
             </a:r>
           </a:p>
           <a:p>
             <a:pPr lvl="4"/>
             <a:r>
-              <a:rPr lang="fr-FR" smtClean="0"/>
+              <a:rPr lang="fr-FR"/>
               <a:t>Cinquième niveau</a:t>
             </a:r>
             <a:endParaRPr lang="fr-CH"/>
@@ -413,7 +418,7 @@
           <a:p>
             <a:fld id="{05A2E586-7882-42C9-8DBD-8BA81A096774}" type="datetimeFigureOut">
               <a:rPr lang="fr-CH" smtClean="0"/>
-              <a:t>21.04.2020</a:t>
+              <a:t>09.06.2020</a:t>
             </a:fld>
             <a:endParaRPr lang="fr-CH"/>
           </a:p>
@@ -512,7 +517,7 @@
           <a:lstStyle/>
           <a:p>
             <a:r>
-              <a:rPr lang="fr-FR" smtClean="0"/>
+              <a:rPr lang="fr-FR"/>
               <a:t>Modifiez le style du titre</a:t>
             </a:r>
             <a:endParaRPr lang="fr-CH"/>
@@ -541,35 +546,35 @@
           <a:p>
             <a:pPr lvl="0"/>
             <a:r>
-              <a:rPr lang="fr-FR" smtClean="0"/>
+              <a:rPr lang="fr-FR"/>
               <a:t>Modifiez les styles du texte du masque</a:t>
             </a:r>
           </a:p>
           <a:p>
             <a:pPr lvl="1"/>
             <a:r>
-              <a:rPr lang="fr-FR" smtClean="0"/>
+              <a:rPr lang="fr-FR"/>
               <a:t>Deuxième niveau</a:t>
             </a:r>
           </a:p>
           <a:p>
             <a:pPr lvl="2"/>
             <a:r>
-              <a:rPr lang="fr-FR" smtClean="0"/>
+              <a:rPr lang="fr-FR"/>
               <a:t>Troisième niveau</a:t>
             </a:r>
           </a:p>
           <a:p>
             <a:pPr lvl="3"/>
             <a:r>
-              <a:rPr lang="fr-FR" smtClean="0"/>
+              <a:rPr lang="fr-FR"/>
               <a:t>Quatrième niveau</a:t>
             </a:r>
           </a:p>
           <a:p>
             <a:pPr lvl="4"/>
             <a:r>
-              <a:rPr lang="fr-FR" smtClean="0"/>
+              <a:rPr lang="fr-FR"/>
               <a:t>Cinquième niveau</a:t>
             </a:r>
             <a:endParaRPr lang="fr-CH"/>
@@ -593,7 +598,7 @@
           <a:p>
             <a:fld id="{05A2E586-7882-42C9-8DBD-8BA81A096774}" type="datetimeFigureOut">
               <a:rPr lang="fr-CH" smtClean="0"/>
-              <a:t>21.04.2020</a:t>
+              <a:t>09.06.2020</a:t>
             </a:fld>
             <a:endParaRPr lang="fr-CH"/>
           </a:p>
@@ -687,7 +692,7 @@
           <a:lstStyle/>
           <a:p>
             <a:r>
-              <a:rPr lang="fr-FR" smtClean="0"/>
+              <a:rPr lang="fr-FR"/>
               <a:t>Modifiez le style du titre</a:t>
             </a:r>
             <a:endParaRPr lang="fr-CH"/>
@@ -711,35 +716,35 @@
           <a:p>
             <a:pPr lvl="0"/>
             <a:r>
-              <a:rPr lang="fr-FR" smtClean="0"/>
+              <a:rPr lang="fr-FR"/>
               <a:t>Modifiez les styles du texte du masque</a:t>
             </a:r>
           </a:p>
           <a:p>
             <a:pPr lvl="1"/>
             <a:r>
-              <a:rPr lang="fr-FR" smtClean="0"/>
+              <a:rPr lang="fr-FR"/>
               <a:t>Deuxième niveau</a:t>
             </a:r>
           </a:p>
           <a:p>
             <a:pPr lvl="2"/>
             <a:r>
-              <a:rPr lang="fr-FR" smtClean="0"/>
+              <a:rPr lang="fr-FR"/>
               <a:t>Troisième niveau</a:t>
             </a:r>
           </a:p>
           <a:p>
             <a:pPr lvl="3"/>
             <a:r>
-              <a:rPr lang="fr-FR" smtClean="0"/>
+              <a:rPr lang="fr-FR"/>
               <a:t>Quatrième niveau</a:t>
             </a:r>
           </a:p>
           <a:p>
             <a:pPr lvl="4"/>
             <a:r>
-              <a:rPr lang="fr-FR" smtClean="0"/>
+              <a:rPr lang="fr-FR"/>
               <a:t>Cinquième niveau</a:t>
             </a:r>
             <a:endParaRPr lang="fr-CH"/>
@@ -763,7 +768,7 @@
           <a:p>
             <a:fld id="{05A2E586-7882-42C9-8DBD-8BA81A096774}" type="datetimeFigureOut">
               <a:rPr lang="fr-CH" smtClean="0"/>
-              <a:t>21.04.2020</a:t>
+              <a:t>09.06.2020</a:t>
             </a:fld>
             <a:endParaRPr lang="fr-CH"/>
           </a:p>
@@ -866,7 +871,7 @@
           </a:lstStyle>
           <a:p>
             <a:r>
-              <a:rPr lang="fr-FR" smtClean="0"/>
+              <a:rPr lang="fr-FR"/>
               <a:t>Modifiez le style du titre</a:t>
             </a:r>
             <a:endParaRPr lang="fr-CH"/>
@@ -986,7 +991,7 @@
           <a:p>
             <a:pPr lvl="0"/>
             <a:r>
-              <a:rPr lang="fr-FR" smtClean="0"/>
+              <a:rPr lang="fr-FR"/>
               <a:t>Modifiez les styles du texte du masque</a:t>
             </a:r>
           </a:p>
@@ -1009,7 +1014,7 @@
           <a:p>
             <a:fld id="{05A2E586-7882-42C9-8DBD-8BA81A096774}" type="datetimeFigureOut">
               <a:rPr lang="fr-CH" smtClean="0"/>
-              <a:t>21.04.2020</a:t>
+              <a:t>09.06.2020</a:t>
             </a:fld>
             <a:endParaRPr lang="fr-CH"/>
           </a:p>
@@ -1103,7 +1108,7 @@
           <a:lstStyle/>
           <a:p>
             <a:r>
-              <a:rPr lang="fr-FR" smtClean="0"/>
+              <a:rPr lang="fr-FR"/>
               <a:t>Modifiez le style du titre</a:t>
             </a:r>
             <a:endParaRPr lang="fr-CH"/>
@@ -1132,35 +1137,35 @@
           <a:p>
             <a:pPr lvl="0"/>
             <a:r>
-              <a:rPr lang="fr-FR" smtClean="0"/>
+              <a:rPr lang="fr-FR"/>
               <a:t>Modifiez les styles du texte du masque</a:t>
             </a:r>
           </a:p>
           <a:p>
             <a:pPr lvl="1"/>
             <a:r>
-              <a:rPr lang="fr-FR" smtClean="0"/>
+              <a:rPr lang="fr-FR"/>
               <a:t>Deuxième niveau</a:t>
             </a:r>
           </a:p>
           <a:p>
             <a:pPr lvl="2"/>
             <a:r>
-              <a:rPr lang="fr-FR" smtClean="0"/>
+              <a:rPr lang="fr-FR"/>
               <a:t>Troisième niveau</a:t>
             </a:r>
           </a:p>
           <a:p>
             <a:pPr lvl="3"/>
             <a:r>
-              <a:rPr lang="fr-FR" smtClean="0"/>
+              <a:rPr lang="fr-FR"/>
               <a:t>Quatrième niveau</a:t>
             </a:r>
           </a:p>
           <a:p>
             <a:pPr lvl="4"/>
             <a:r>
-              <a:rPr lang="fr-FR" smtClean="0"/>
+              <a:rPr lang="fr-FR"/>
               <a:t>Cinquième niveau</a:t>
             </a:r>
             <a:endParaRPr lang="fr-CH"/>
@@ -1189,35 +1194,35 @@
           <a:p>
             <a:pPr lvl="0"/>
             <a:r>
-              <a:rPr lang="fr-FR" smtClean="0"/>
+              <a:rPr lang="fr-FR"/>
               <a:t>Modifiez les styles du texte du masque</a:t>
             </a:r>
           </a:p>
           <a:p>
             <a:pPr lvl="1"/>
             <a:r>
-              <a:rPr lang="fr-FR" smtClean="0"/>
+              <a:rPr lang="fr-FR"/>
               <a:t>Deuxième niveau</a:t>
             </a:r>
           </a:p>
           <a:p>
             <a:pPr lvl="2"/>
             <a:r>
-              <a:rPr lang="fr-FR" smtClean="0"/>
+              <a:rPr lang="fr-FR"/>
               <a:t>Troisième niveau</a:t>
             </a:r>
           </a:p>
           <a:p>
             <a:pPr lvl="3"/>
             <a:r>
-              <a:rPr lang="fr-FR" smtClean="0"/>
+              <a:rPr lang="fr-FR"/>
               <a:t>Quatrième niveau</a:t>
             </a:r>
           </a:p>
           <a:p>
             <a:pPr lvl="4"/>
             <a:r>
-              <a:rPr lang="fr-FR" smtClean="0"/>
+              <a:rPr lang="fr-FR"/>
               <a:t>Cinquième niveau</a:t>
             </a:r>
             <a:endParaRPr lang="fr-CH"/>
@@ -1241,7 +1246,7 @@
           <a:p>
             <a:fld id="{05A2E586-7882-42C9-8DBD-8BA81A096774}" type="datetimeFigureOut">
               <a:rPr lang="fr-CH" smtClean="0"/>
-              <a:t>21.04.2020</a:t>
+              <a:t>09.06.2020</a:t>
             </a:fld>
             <a:endParaRPr lang="fr-CH"/>
           </a:p>
@@ -1340,7 +1345,7 @@
           <a:lstStyle/>
           <a:p>
             <a:r>
-              <a:rPr lang="fr-FR" smtClean="0"/>
+              <a:rPr lang="fr-FR"/>
               <a:t>Modifiez le style du titre</a:t>
             </a:r>
             <a:endParaRPr lang="fr-CH"/>
@@ -1406,7 +1411,7 @@
           <a:p>
             <a:pPr lvl="0"/>
             <a:r>
-              <a:rPr lang="fr-FR" smtClean="0"/>
+              <a:rPr lang="fr-FR"/>
               <a:t>Modifiez les styles du texte du masque</a:t>
             </a:r>
           </a:p>
@@ -1434,35 +1439,35 @@
           <a:p>
             <a:pPr lvl="0"/>
             <a:r>
-              <a:rPr lang="fr-FR" smtClean="0"/>
+              <a:rPr lang="fr-FR"/>
               <a:t>Modifiez les styles du texte du masque</a:t>
             </a:r>
           </a:p>
           <a:p>
             <a:pPr lvl="1"/>
             <a:r>
-              <a:rPr lang="fr-FR" smtClean="0"/>
+              <a:rPr lang="fr-FR"/>
               <a:t>Deuxième niveau</a:t>
             </a:r>
           </a:p>
           <a:p>
             <a:pPr lvl="2"/>
             <a:r>
-              <a:rPr lang="fr-FR" smtClean="0"/>
+              <a:rPr lang="fr-FR"/>
               <a:t>Troisième niveau</a:t>
             </a:r>
           </a:p>
           <a:p>
             <a:pPr lvl="3"/>
             <a:r>
-              <a:rPr lang="fr-FR" smtClean="0"/>
+              <a:rPr lang="fr-FR"/>
               <a:t>Quatrième niveau</a:t>
             </a:r>
           </a:p>
           <a:p>
             <a:pPr lvl="4"/>
             <a:r>
-              <a:rPr lang="fr-FR" smtClean="0"/>
+              <a:rPr lang="fr-FR"/>
               <a:t>Cinquième niveau</a:t>
             </a:r>
             <a:endParaRPr lang="fr-CH"/>
@@ -1528,7 +1533,7 @@
           <a:p>
             <a:pPr lvl="0"/>
             <a:r>
-              <a:rPr lang="fr-FR" smtClean="0"/>
+              <a:rPr lang="fr-FR"/>
               <a:t>Modifiez les styles du texte du masque</a:t>
             </a:r>
           </a:p>
@@ -1556,35 +1561,35 @@
           <a:p>
             <a:pPr lvl="0"/>
             <a:r>
-              <a:rPr lang="fr-FR" smtClean="0"/>
+              <a:rPr lang="fr-FR"/>
               <a:t>Modifiez les styles du texte du masque</a:t>
             </a:r>
           </a:p>
           <a:p>
             <a:pPr lvl="1"/>
             <a:r>
-              <a:rPr lang="fr-FR" smtClean="0"/>
+              <a:rPr lang="fr-FR"/>
               <a:t>Deuxième niveau</a:t>
             </a:r>
           </a:p>
           <a:p>
             <a:pPr lvl="2"/>
             <a:r>
-              <a:rPr lang="fr-FR" smtClean="0"/>
+              <a:rPr lang="fr-FR"/>
               <a:t>Troisième niveau</a:t>
             </a:r>
           </a:p>
           <a:p>
             <a:pPr lvl="3"/>
             <a:r>
-              <a:rPr lang="fr-FR" smtClean="0"/>
+              <a:rPr lang="fr-FR"/>
               <a:t>Quatrième niveau</a:t>
             </a:r>
           </a:p>
           <a:p>
             <a:pPr lvl="4"/>
             <a:r>
-              <a:rPr lang="fr-FR" smtClean="0"/>
+              <a:rPr lang="fr-FR"/>
               <a:t>Cinquième niveau</a:t>
             </a:r>
             <a:endParaRPr lang="fr-CH"/>
@@ -1608,7 +1613,7 @@
           <a:p>
             <a:fld id="{05A2E586-7882-42C9-8DBD-8BA81A096774}" type="datetimeFigureOut">
               <a:rPr lang="fr-CH" smtClean="0"/>
-              <a:t>21.04.2020</a:t>
+              <a:t>09.06.2020</a:t>
             </a:fld>
             <a:endParaRPr lang="fr-CH"/>
           </a:p>
@@ -1702,7 +1707,7 @@
           <a:lstStyle/>
           <a:p>
             <a:r>
-              <a:rPr lang="fr-FR" smtClean="0"/>
+              <a:rPr lang="fr-FR"/>
               <a:t>Modifiez le style du titre</a:t>
             </a:r>
             <a:endParaRPr lang="fr-CH"/>
@@ -1726,7 +1731,7 @@
           <a:p>
             <a:fld id="{05A2E586-7882-42C9-8DBD-8BA81A096774}" type="datetimeFigureOut">
               <a:rPr lang="fr-CH" smtClean="0"/>
-              <a:t>21.04.2020</a:t>
+              <a:t>09.06.2020</a:t>
             </a:fld>
             <a:endParaRPr lang="fr-CH"/>
           </a:p>
@@ -1821,7 +1826,7 @@
           <a:p>
             <a:fld id="{05A2E586-7882-42C9-8DBD-8BA81A096774}" type="datetimeFigureOut">
               <a:rPr lang="fr-CH" smtClean="0"/>
-              <a:t>21.04.2020</a:t>
+              <a:t>09.06.2020</a:t>
             </a:fld>
             <a:endParaRPr lang="fr-CH"/>
           </a:p>
@@ -1924,7 +1929,7 @@
           </a:lstStyle>
           <a:p>
             <a:r>
-              <a:rPr lang="fr-FR" smtClean="0"/>
+              <a:rPr lang="fr-FR"/>
               <a:t>Modifiez le style du titre</a:t>
             </a:r>
             <a:endParaRPr lang="fr-CH"/>
@@ -1981,35 +1986,35 @@
           <a:p>
             <a:pPr lvl="0"/>
             <a:r>
-              <a:rPr lang="fr-FR" smtClean="0"/>
+              <a:rPr lang="fr-FR"/>
               <a:t>Modifiez les styles du texte du masque</a:t>
             </a:r>
           </a:p>
           <a:p>
             <a:pPr lvl="1"/>
             <a:r>
-              <a:rPr lang="fr-FR" smtClean="0"/>
+              <a:rPr lang="fr-FR"/>
               <a:t>Deuxième niveau</a:t>
             </a:r>
           </a:p>
           <a:p>
             <a:pPr lvl="2"/>
             <a:r>
-              <a:rPr lang="fr-FR" smtClean="0"/>
+              <a:rPr lang="fr-FR"/>
               <a:t>Troisième niveau</a:t>
             </a:r>
           </a:p>
           <a:p>
             <a:pPr lvl="3"/>
             <a:r>
-              <a:rPr lang="fr-FR" smtClean="0"/>
+              <a:rPr lang="fr-FR"/>
               <a:t>Quatrième niveau</a:t>
             </a:r>
           </a:p>
           <a:p>
             <a:pPr lvl="4"/>
             <a:r>
-              <a:rPr lang="fr-FR" smtClean="0"/>
+              <a:rPr lang="fr-FR"/>
               <a:t>Cinquième niveau</a:t>
             </a:r>
             <a:endParaRPr lang="fr-CH"/>
@@ -2075,7 +2080,7 @@
           <a:p>
             <a:pPr lvl="0"/>
             <a:r>
-              <a:rPr lang="fr-FR" smtClean="0"/>
+              <a:rPr lang="fr-FR"/>
               <a:t>Modifiez les styles du texte du masque</a:t>
             </a:r>
           </a:p>
@@ -2098,7 +2103,7 @@
           <a:p>
             <a:fld id="{05A2E586-7882-42C9-8DBD-8BA81A096774}" type="datetimeFigureOut">
               <a:rPr lang="fr-CH" smtClean="0"/>
-              <a:t>21.04.2020</a:t>
+              <a:t>09.06.2020</a:t>
             </a:fld>
             <a:endParaRPr lang="fr-CH"/>
           </a:p>
@@ -2201,7 +2206,7 @@
           </a:lstStyle>
           <a:p>
             <a:r>
-              <a:rPr lang="fr-FR" smtClean="0"/>
+              <a:rPr lang="fr-FR"/>
               <a:t>Modifiez le style du titre</a:t>
             </a:r>
             <a:endParaRPr lang="fr-CH"/>
@@ -2328,7 +2333,7 @@
           <a:p>
             <a:pPr lvl="0"/>
             <a:r>
-              <a:rPr lang="fr-FR" smtClean="0"/>
+              <a:rPr lang="fr-FR"/>
               <a:t>Modifiez les styles du texte du masque</a:t>
             </a:r>
           </a:p>
@@ -2351,7 +2356,7 @@
           <a:p>
             <a:fld id="{05A2E586-7882-42C9-8DBD-8BA81A096774}" type="datetimeFigureOut">
               <a:rPr lang="fr-CH" smtClean="0"/>
-              <a:t>21.04.2020</a:t>
+              <a:t>09.06.2020</a:t>
             </a:fld>
             <a:endParaRPr lang="fr-CH"/>
           </a:p>
@@ -2460,7 +2465,7 @@
           <a:lstStyle/>
           <a:p>
             <a:r>
-              <a:rPr lang="fr-FR" smtClean="0"/>
+              <a:rPr lang="fr-FR"/>
               <a:t>Modifiez le style du titre</a:t>
             </a:r>
             <a:endParaRPr lang="fr-CH"/>
@@ -2494,35 +2499,35 @@
           <a:p>
             <a:pPr lvl="0"/>
             <a:r>
-              <a:rPr lang="fr-FR" smtClean="0"/>
+              <a:rPr lang="fr-FR"/>
               <a:t>Modifiez les styles du texte du masque</a:t>
             </a:r>
           </a:p>
           <a:p>
             <a:pPr lvl="1"/>
             <a:r>
-              <a:rPr lang="fr-FR" smtClean="0"/>
+              <a:rPr lang="fr-FR"/>
               <a:t>Deuxième niveau</a:t>
             </a:r>
           </a:p>
           <a:p>
             <a:pPr lvl="2"/>
             <a:r>
-              <a:rPr lang="fr-FR" smtClean="0"/>
+              <a:rPr lang="fr-FR"/>
               <a:t>Troisième niveau</a:t>
             </a:r>
           </a:p>
           <a:p>
             <a:pPr lvl="3"/>
             <a:r>
-              <a:rPr lang="fr-FR" smtClean="0"/>
+              <a:rPr lang="fr-FR"/>
               <a:t>Quatrième niveau</a:t>
             </a:r>
           </a:p>
           <a:p>
             <a:pPr lvl="4"/>
             <a:r>
-              <a:rPr lang="fr-FR" smtClean="0"/>
+              <a:rPr lang="fr-FR"/>
               <a:t>Cinquième niveau</a:t>
             </a:r>
             <a:endParaRPr lang="fr-CH"/>
@@ -2564,7 +2569,7 @@
           <a:p>
             <a:fld id="{05A2E586-7882-42C9-8DBD-8BA81A096774}" type="datetimeFigureOut">
               <a:rPr lang="fr-CH" smtClean="0"/>
-              <a:t>21.04.2020</a:t>
+              <a:t>09.06.2020</a:t>
             </a:fld>
             <a:endParaRPr lang="fr-CH"/>
           </a:p>
@@ -2985,60 +2990,58 @@
           <a:lstStyle/>
           <a:p>
             <a:r>
-              <a:rPr lang="fr-CH" dirty="0" smtClean="0"/>
+              <a:rPr lang="fr-CH" dirty="0"/>
               <a:t>HEIGVD-VD IOT</a:t>
             </a:r>
+          </a:p>
+        </p:txBody>
+      </p:sp>
+      <p:sp>
+        <p:nvSpPr>
+          <p:cNvPr id="3" name="Sous-titre 2"/>
+          <p:cNvSpPr>
+            <a:spLocks noGrp="1"/>
+          </p:cNvSpPr>
+          <p:nvPr>
+            <p:ph type="subTitle" idx="1"/>
+          </p:nvPr>
+        </p:nvSpPr>
+        <p:spPr/>
+        <p:txBody>
+          <a:bodyPr/>
+          <a:lstStyle/>
+          <a:p>
+            <a:r>
+              <a:rPr lang="fr-CH" dirty="0"/>
+              <a:t>Projet Air </a:t>
+            </a:r>
+            <a:r>
+              <a:rPr lang="fr-CH" dirty="0" err="1"/>
+              <a:t>Quality</a:t>
+            </a:r>
+            <a:r>
+              <a:rPr lang="fr-CH" dirty="0"/>
+              <a:t> / </a:t>
+            </a:r>
+            <a:r>
+              <a:rPr lang="fr-CH" dirty="0" err="1"/>
+              <a:t>Environment</a:t>
+            </a:r>
+            <a:r>
+              <a:rPr lang="fr-CH" dirty="0"/>
+              <a:t> </a:t>
+            </a:r>
+            <a:r>
+              <a:rPr lang="fr-CH" dirty="0" err="1"/>
+              <a:t>Sensor</a:t>
+            </a:r>
             <a:endParaRPr lang="fr-CH" dirty="0"/>
           </a:p>
-        </p:txBody>
-      </p:sp>
-      <p:sp>
-        <p:nvSpPr>
-          <p:cNvPr id="3" name="Sous-titre 2"/>
-          <p:cNvSpPr>
-            <a:spLocks noGrp="1"/>
-          </p:cNvSpPr>
-          <p:nvPr>
-            <p:ph type="subTitle" idx="1"/>
-          </p:nvPr>
-        </p:nvSpPr>
-        <p:spPr/>
-        <p:txBody>
-          <a:bodyPr/>
-          <a:lstStyle/>
-          <a:p>
-            <a:r>
-              <a:rPr lang="fr-CH" dirty="0" smtClean="0"/>
-              <a:t>Projet Air </a:t>
-            </a:r>
-            <a:r>
-              <a:rPr lang="fr-CH" dirty="0" err="1" smtClean="0"/>
-              <a:t>Quality</a:t>
-            </a:r>
-            <a:r>
-              <a:rPr lang="fr-CH" dirty="0" smtClean="0"/>
-              <a:t> / </a:t>
-            </a:r>
-            <a:r>
-              <a:rPr lang="fr-CH" dirty="0" err="1" smtClean="0"/>
-              <a:t>Environment</a:t>
-            </a:r>
-            <a:r>
-              <a:rPr lang="fr-CH" dirty="0" smtClean="0"/>
-              <a:t> </a:t>
-            </a:r>
-            <a:r>
-              <a:rPr lang="fr-CH" dirty="0" err="1" smtClean="0"/>
-              <a:t>Sensor</a:t>
-            </a:r>
-            <a:endParaRPr lang="fr-CH" dirty="0" smtClean="0"/>
-          </a:p>
-          <a:p>
-            <a:r>
-              <a:rPr lang="fr-CH" dirty="0" smtClean="0"/>
-              <a:t>21.04.2020</a:t>
-            </a:r>
-            <a:endParaRPr lang="fr-CH" dirty="0"/>
+          <a:p>
+            <a:r>
+              <a:rPr lang="fr-CH" dirty="0"/>
+              <a:t>09.06.2020</a:t>
+            </a:r>
           </a:p>
         </p:txBody>
       </p:sp>
@@ -3058,6 +3061,14 @@
 <file path=ppt/slides/slide2.xml><?xml version="1.0" encoding="utf-8"?>
 <p:sld xmlns:a="http://schemas.openxmlformats.org/drawingml/2006/main" xmlns:r="http://schemas.openxmlformats.org/officeDocument/2006/relationships" xmlns:p="http://schemas.openxmlformats.org/presentationml/2006/main">
   <p:cSld>
+    <p:bg>
+      <p:bgPr>
+        <a:solidFill>
+          <a:schemeClr val="bg1"/>
+        </a:solidFill>
+        <a:effectLst/>
+      </p:bgPr>
+    </p:bg>
     <p:spTree>
       <p:nvGrpSpPr>
         <p:cNvPr id="1" name=""/>
@@ -3082,41 +3093,41 @@
             <p:ph type="title"/>
           </p:nvPr>
         </p:nvSpPr>
-        <p:spPr/>
-        <p:txBody>
-          <a:bodyPr/>
-          <a:lstStyle/>
-          <a:p>
-            <a:r>
-              <a:rPr lang="fr-CH" dirty="0" smtClean="0"/>
+        <p:spPr>
+          <a:xfrm>
+            <a:off x="838200" y="365125"/>
+            <a:ext cx="10515600" cy="1325563"/>
+          </a:xfrm>
+        </p:spPr>
+        <p:txBody>
+          <a:bodyPr vert="horz" lIns="91440" tIns="45720" rIns="91440" bIns="45720" rtlCol="0" anchor="ctr">
+            <a:normAutofit/>
+          </a:bodyPr>
+          <a:lstStyle/>
+          <a:p>
+            <a:r>
+              <a:rPr lang="en-US" kern="1200">
+                <a:solidFill>
+                  <a:schemeClr val="tx1"/>
+                </a:solidFill>
+                <a:latin typeface="+mj-lt"/>
+                <a:ea typeface="+mj-ea"/>
+                <a:cs typeface="+mj-cs"/>
+              </a:rPr>
               <a:t>Architecture</a:t>
             </a:r>
-            <a:endParaRPr lang="fr-CH" dirty="0"/>
-          </a:p>
-        </p:txBody>
-      </p:sp>
-      <p:sp>
-        <p:nvSpPr>
-          <p:cNvPr id="3" name="Espace réservé du contenu 2"/>
-          <p:cNvSpPr>
-            <a:spLocks noGrp="1"/>
-          </p:cNvSpPr>
-          <p:nvPr>
-            <p:ph idx="1"/>
-          </p:nvPr>
-        </p:nvSpPr>
-        <p:spPr/>
-        <p:txBody>
-          <a:bodyPr/>
-          <a:lstStyle/>
-          <a:p>
-            <a:endParaRPr lang="fr-CH"/>
           </a:p>
         </p:txBody>
       </p:sp>
       <p:pic>
         <p:nvPicPr>
-          <p:cNvPr id="4" name="Image 3"/>
+          <p:cNvPr id="5" name="Image 4">
+            <a:extLst>
+              <a:ext uri="{FF2B5EF4-FFF2-40B4-BE49-F238E27FC236}">
+                <a16:creationId xmlns:a16="http://schemas.microsoft.com/office/drawing/2014/main" id="{2CE099F4-6639-48D8-B59D-E67CD5EF41EE}"/>
+              </a:ext>
+            </a:extLst>
+          </p:cNvPr>
           <p:cNvPicPr>
             <a:picLocks noChangeAspect="1"/>
           </p:cNvPicPr>
@@ -3130,8 +3141,8 @@
         </p:blipFill>
         <p:spPr>
           <a:xfrm>
-            <a:off x="838200" y="1825625"/>
-            <a:ext cx="10515600" cy="3875868"/>
+            <a:off x="1699328" y="1825626"/>
+            <a:ext cx="8783819" cy="4351338"/>
           </a:xfrm>
           <a:prstGeom prst="rect">
             <a:avLst/>
@@ -3148,13 +3159,6 @@
   <p:clrMapOvr>
     <a:masterClrMapping/>
   </p:clrMapOvr>
-  <p:timing>
-    <p:tnLst>
-      <p:par>
-        <p:cTn id="1" dur="indefinite" restart="never" nodeType="tmRoot"/>
-      </p:par>
-    </p:tnLst>
-  </p:timing>
 </p:sld>
 </file>
 
@@ -3191,66 +3195,48 @@
           <a:lstStyle/>
           <a:p>
             <a:r>
-              <a:rPr lang="fr-CH" dirty="0" smtClean="0"/>
-              <a:t>UPLINK</a:t>
-            </a:r>
-            <a:endParaRPr lang="fr-CH" dirty="0"/>
-          </a:p>
-        </p:txBody>
-      </p:sp>
-      <p:sp>
-        <p:nvSpPr>
-          <p:cNvPr id="3" name="Espace réservé du contenu 2"/>
-          <p:cNvSpPr>
-            <a:spLocks noGrp="1"/>
-          </p:cNvSpPr>
+              <a:rPr lang="fr-CH" dirty="0"/>
+              <a:t>Diagramme DB</a:t>
+            </a:r>
+          </a:p>
+        </p:txBody>
+      </p:sp>
+      <p:pic>
+        <p:nvPicPr>
+          <p:cNvPr id="5" name="Espace réservé du contenu 4">
+            <a:extLst>
+              <a:ext uri="{FF2B5EF4-FFF2-40B4-BE49-F238E27FC236}">
+                <a16:creationId xmlns:a16="http://schemas.microsoft.com/office/drawing/2014/main" id="{6EC77B17-97A0-4B20-8348-ACC7E7AEAD92}"/>
+              </a:ext>
+            </a:extLst>
+          </p:cNvPr>
+          <p:cNvPicPr>
+            <a:picLocks noGrp="1" noChangeAspect="1"/>
+          </p:cNvPicPr>
           <p:nvPr>
             <p:ph idx="1"/>
           </p:nvPr>
-        </p:nvSpPr>
-        <p:spPr/>
-        <p:txBody>
-          <a:bodyPr/>
-          <a:lstStyle/>
-          <a:p>
-            <a:r>
-              <a:rPr lang="fr-CH" dirty="0" smtClean="0"/>
-              <a:t>Port ID = </a:t>
-            </a:r>
-            <a:r>
-              <a:rPr lang="fr-CH" dirty="0" err="1" smtClean="0"/>
-              <a:t>Sensor</a:t>
-            </a:r>
-            <a:r>
-              <a:rPr lang="fr-CH" dirty="0"/>
-              <a:t> </a:t>
-            </a:r>
-            <a:r>
-              <a:rPr lang="fr-CH" dirty="0" smtClean="0"/>
-              <a:t>ID dans la DB</a:t>
-            </a:r>
-          </a:p>
-          <a:p>
-            <a:r>
-              <a:rPr lang="fr-CH" dirty="0" err="1" smtClean="0"/>
-              <a:t>Payload</a:t>
-            </a:r>
-            <a:r>
-              <a:rPr lang="fr-CH" dirty="0" smtClean="0"/>
-              <a:t> = valeur du </a:t>
-            </a:r>
-            <a:r>
-              <a:rPr lang="fr-CH" dirty="0" err="1" smtClean="0"/>
-              <a:t>sensor</a:t>
-            </a:r>
-            <a:endParaRPr lang="fr-CH" dirty="0"/>
-          </a:p>
-        </p:txBody>
-      </p:sp>
+        </p:nvPicPr>
+        <p:blipFill>
+          <a:blip r:embed="rId2"/>
+          <a:stretch>
+            <a:fillRect/>
+          </a:stretch>
+        </p:blipFill>
+        <p:spPr>
+          <a:xfrm>
+            <a:off x="3394298" y="1825625"/>
+            <a:ext cx="5403403" cy="4351338"/>
+          </a:xfrm>
+          <a:prstGeom prst="rect">
+            <a:avLst/>
+          </a:prstGeom>
+        </p:spPr>
+      </p:pic>
     </p:spTree>
     <p:extLst>
       <p:ext uri="{BB962C8B-B14F-4D97-AF65-F5344CB8AC3E}">
-        <p14:creationId xmlns:p14="http://schemas.microsoft.com/office/powerpoint/2010/main" val="2949805132"/>
+        <p14:creationId xmlns:p14="http://schemas.microsoft.com/office/powerpoint/2010/main" val="1887685247"/>
       </p:ext>
     </p:extLst>
   </p:cSld>
@@ -3293,60 +3279,95 @@
           <a:lstStyle/>
           <a:p>
             <a:r>
-              <a:rPr lang="fr-CH" dirty="0" smtClean="0"/>
-              <a:t>Diagramme DB</a:t>
+              <a:rPr lang="fr-CH" dirty="0"/>
+              <a:t>Difficultés</a:t>
+            </a:r>
+          </a:p>
+        </p:txBody>
+      </p:sp>
+      <p:sp>
+        <p:nvSpPr>
+          <p:cNvPr id="3" name="Espace réservé du contenu 2"/>
+          <p:cNvSpPr>
+            <a:spLocks noGrp="1"/>
+          </p:cNvSpPr>
+          <p:nvPr>
+            <p:ph idx="1"/>
+          </p:nvPr>
+        </p:nvSpPr>
+        <p:spPr/>
+        <p:txBody>
+          <a:bodyPr/>
+          <a:lstStyle/>
+          <a:p>
+            <a:r>
+              <a:rPr lang="fr-CH" dirty="0"/>
+              <a:t>API TTN Python: </a:t>
+            </a:r>
+            <a:r>
+              <a:rPr lang="fr-CH" dirty="0" err="1"/>
+              <a:t>uplink</a:t>
+            </a:r>
+            <a:r>
+              <a:rPr lang="fr-CH" dirty="0"/>
+              <a:t> en string hexa bug</a:t>
+            </a:r>
+          </a:p>
+          <a:p>
+            <a:r>
+              <a:rPr lang="fr-CH" dirty="0"/>
+              <a:t>Organisation difficile en </a:t>
+            </a:r>
+            <a:r>
+              <a:rPr lang="fr-CH" dirty="0" err="1"/>
+              <a:t>remote</a:t>
             </a:r>
             <a:endParaRPr lang="fr-CH" dirty="0"/>
           </a:p>
-        </p:txBody>
-      </p:sp>
-      <p:sp>
-        <p:nvSpPr>
-          <p:cNvPr id="3" name="Espace réservé du contenu 2"/>
-          <p:cNvSpPr>
-            <a:spLocks noGrp="1"/>
-          </p:cNvSpPr>
-          <p:nvPr>
-            <p:ph idx="1"/>
-          </p:nvPr>
-        </p:nvSpPr>
-        <p:spPr/>
-        <p:txBody>
-          <a:bodyPr/>
-          <a:lstStyle/>
-          <a:p>
+          <a:p>
+            <a:r>
+              <a:rPr lang="fr-CH" dirty="0"/>
+              <a:t>Beaucoup d’éléments (</a:t>
+            </a:r>
+            <a:r>
+              <a:rPr lang="fr-CH" dirty="0" err="1"/>
+              <a:t>parser</a:t>
+            </a:r>
+            <a:r>
+              <a:rPr lang="fr-CH" dirty="0"/>
+              <a:t>, api, </a:t>
+            </a:r>
+            <a:r>
+              <a:rPr lang="fr-CH" dirty="0" err="1"/>
+              <a:t>ui</a:t>
+            </a:r>
+            <a:r>
+              <a:rPr lang="fr-CH" dirty="0"/>
+              <a:t>, </a:t>
+            </a:r>
+            <a:r>
+              <a:rPr lang="fr-CH" dirty="0" err="1"/>
+              <a:t>db</a:t>
+            </a:r>
+            <a:r>
+              <a:rPr lang="fr-CH" dirty="0"/>
+              <a:t>, …) =&gt; amélioration des logs pour faciliter le </a:t>
+            </a:r>
+            <a:r>
+              <a:rPr lang="fr-CH"/>
+              <a:t>debug</a:t>
+            </a:r>
             <a:endParaRPr lang="fr-CH" dirty="0"/>
           </a:p>
-        </p:txBody>
-      </p:sp>
-      <p:pic>
-        <p:nvPicPr>
-          <p:cNvPr id="4" name="Image 3"/>
-          <p:cNvPicPr>
-            <a:picLocks noChangeAspect="1"/>
-          </p:cNvPicPr>
-          <p:nvPr/>
-        </p:nvPicPr>
-        <p:blipFill>
-          <a:blip r:embed="rId2"/>
-          <a:stretch>
-            <a:fillRect/>
-          </a:stretch>
-        </p:blipFill>
-        <p:spPr>
-          <a:xfrm>
-            <a:off x="1094677" y="2304893"/>
-            <a:ext cx="10002646" cy="2248214"/>
-          </a:xfrm>
-          <a:prstGeom prst="rect">
-            <a:avLst/>
-          </a:prstGeom>
-        </p:spPr>
-      </p:pic>
+          <a:p>
+            <a:endParaRPr lang="fr-CH" dirty="0"/>
+          </a:p>
+        </p:txBody>
+      </p:sp>
     </p:spTree>
     <p:extLst>
       <p:ext uri="{BB962C8B-B14F-4D97-AF65-F5344CB8AC3E}">
-        <p14:creationId xmlns:p14="http://schemas.microsoft.com/office/powerpoint/2010/main" val="1887685247"/>
+        <p14:creationId xmlns:p14="http://schemas.microsoft.com/office/powerpoint/2010/main" val="278200536"/>
       </p:ext>
     </p:extLst>
   </p:cSld>
@@ -3375,7 +3396,13 @@
       </p:grpSpPr>
       <p:sp>
         <p:nvSpPr>
-          <p:cNvPr id="2" name="Titre 1"/>
+          <p:cNvPr id="2" name="Titre 1">
+            <a:extLst>
+              <a:ext uri="{FF2B5EF4-FFF2-40B4-BE49-F238E27FC236}">
+                <a16:creationId xmlns:a16="http://schemas.microsoft.com/office/drawing/2014/main" id="{185255CB-3881-441D-A966-2A400647F9C7}"/>
+              </a:ext>
+            </a:extLst>
+          </p:cNvPr>
           <p:cNvSpPr>
             <a:spLocks noGrp="1"/>
           </p:cNvSpPr>
@@ -3389,8 +3416,8 @@
           <a:lstStyle/>
           <a:p>
             <a:r>
-              <a:rPr lang="fr-CH" dirty="0" smtClean="0"/>
-              <a:t>Difficultés</a:t>
+              <a:rPr lang="fr-CH" dirty="0" err="1"/>
+              <a:t>LoRaWAN</a:t>
             </a:r>
             <a:endParaRPr lang="fr-CH" dirty="0"/>
           </a:p>
@@ -3398,7 +3425,13 @@
       </p:sp>
       <p:sp>
         <p:nvSpPr>
-          <p:cNvPr id="3" name="Espace réservé du contenu 2"/>
+          <p:cNvPr id="3" name="Espace réservé du contenu 2">
+            <a:extLst>
+              <a:ext uri="{FF2B5EF4-FFF2-40B4-BE49-F238E27FC236}">
+                <a16:creationId xmlns:a16="http://schemas.microsoft.com/office/drawing/2014/main" id="{CD60F707-95AD-496D-98CA-616F36A13B2D}"/>
+              </a:ext>
+            </a:extLst>
+          </p:cNvPr>
           <p:cNvSpPr>
             <a:spLocks noGrp="1"/>
           </p:cNvSpPr>
@@ -3412,26 +3445,22 @@
           <a:lstStyle/>
           <a:p>
             <a:r>
-              <a:rPr lang="fr-CH" dirty="0" smtClean="0"/>
-              <a:t>Pas de difficulté technique</a:t>
-            </a:r>
-          </a:p>
-          <a:p>
-            <a:r>
-              <a:rPr lang="fr-CH" dirty="0" smtClean="0"/>
-              <a:t>Organisation difficile en </a:t>
-            </a:r>
-            <a:r>
-              <a:rPr lang="fr-CH" dirty="0" err="1" smtClean="0"/>
-              <a:t>remote</a:t>
-            </a:r>
-            <a:endParaRPr lang="fr-CH" dirty="0" smtClean="0"/>
-          </a:p>
-          <a:p>
-            <a:r>
-              <a:rPr lang="fr-CH" dirty="0" smtClean="0"/>
-              <a:t>Pas de possibilité de tester en Live</a:t>
-            </a:r>
+              <a:rPr lang="fr-CH" dirty="0"/>
+              <a:t>TTN fonctionne très bien</a:t>
+            </a:r>
+          </a:p>
+          <a:p>
+            <a:r>
+              <a:rPr lang="fr-CH" dirty="0"/>
+              <a:t>Pas vraiment expérimenté </a:t>
+            </a:r>
+            <a:r>
+              <a:rPr lang="fr-CH" dirty="0" err="1"/>
+              <a:t>LoRaWAN</a:t>
+            </a:r>
+            <a:endParaRPr lang="fr-CH" dirty="0"/>
+          </a:p>
+          <a:p>
             <a:endParaRPr lang="fr-CH" dirty="0"/>
           </a:p>
         </p:txBody>
@@ -3439,7 +3468,7 @@
     </p:spTree>
     <p:extLst>
       <p:ext uri="{BB962C8B-B14F-4D97-AF65-F5344CB8AC3E}">
-        <p14:creationId xmlns:p14="http://schemas.microsoft.com/office/powerpoint/2010/main" val="278200536"/>
+        <p14:creationId xmlns:p14="http://schemas.microsoft.com/office/powerpoint/2010/main" val="578323829"/>
       </p:ext>
     </p:extLst>
   </p:cSld>
@@ -3482,10 +3511,9 @@
           <a:lstStyle/>
           <a:p>
             <a:r>
-              <a:rPr lang="fr-CH" dirty="0" smtClean="0"/>
+              <a:rPr lang="fr-CH" dirty="0"/>
               <a:t>User Interface</a:t>
             </a:r>
-            <a:endParaRPr lang="fr-CH" dirty="0"/>
           </a:p>
         </p:txBody>
       </p:sp>
@@ -3505,12 +3533,12 @@
           <a:lstStyle/>
           <a:p>
             <a:r>
-              <a:rPr lang="fr-CH" dirty="0" smtClean="0">
+              <a:rPr lang="fr-CH" dirty="0">
                 <a:hlinkClick r:id="rId2"/>
               </a:rPr>
-              <a:t>http://193.247.203.90:443/</a:t>
-            </a:r>
-            <a:endParaRPr lang="fr-CH" dirty="0" smtClean="0"/>
+              <a:t>http://groupe1.heig.polylan.ch/</a:t>
+            </a:r>
+            <a:endParaRPr lang="fr-CH" dirty="0"/>
           </a:p>
           <a:p>
             <a:endParaRPr lang="fr-CH" dirty="0"/>

--- a/HEIGVD-VD IOT.pptx
+++ b/HEIGVD-VD IOT.pptx
@@ -3121,10 +3121,10 @@
       </p:sp>
       <p:pic>
         <p:nvPicPr>
-          <p:cNvPr id="5" name="Image 4">
+          <p:cNvPr id="3" name="Image 2">
             <a:extLst>
               <a:ext uri="{FF2B5EF4-FFF2-40B4-BE49-F238E27FC236}">
-                <a16:creationId xmlns:a16="http://schemas.microsoft.com/office/drawing/2014/main" id="{2CE099F4-6639-48D8-B59D-E67CD5EF41EE}"/>
+                <a16:creationId xmlns:a16="http://schemas.microsoft.com/office/drawing/2014/main" id="{65D8983F-BD94-4C1C-B365-20E6399261BB}"/>
               </a:ext>
             </a:extLst>
           </p:cNvPr>
@@ -3141,8 +3141,8 @@
         </p:blipFill>
         <p:spPr>
           <a:xfrm>
-            <a:off x="1699328" y="1825626"/>
-            <a:ext cx="8783819" cy="4351338"/>
+            <a:off x="1825537" y="759165"/>
+            <a:ext cx="8540926" cy="5339670"/>
           </a:xfrm>
           <a:prstGeom prst="rect">
             <a:avLst/>
@@ -3306,7 +3306,7 @@
             </a:r>
             <a:r>
               <a:rPr lang="fr-CH" dirty="0" err="1"/>
-              <a:t>uplink</a:t>
+              <a:t>downlink</a:t>
             </a:r>
             <a:r>
               <a:rPr lang="fr-CH" dirty="0"/>
@@ -3354,7 +3354,7 @@
               <a:t>, …) =&gt; amélioration des logs pour faciliter le </a:t>
             </a:r>
             <a:r>
-              <a:rPr lang="fr-CH"/>
+              <a:rPr lang="fr-CH" dirty="0" err="1"/>
               <a:t>debug</a:t>
             </a:r>
             <a:endParaRPr lang="fr-CH" dirty="0"/>
